--- a/icons.pptx
+++ b/icons.pptx
@@ -3038,36 +3038,6 @@
           <a:chExt cx="0" cy="0"/>
         </a:xfrm>
       </p:grpSpPr>
-      <p:pic>
-        <p:nvPicPr>
-          <p:cNvPr id="3" name="Picture 2"/>
-          <p:cNvPicPr>
-            <a:picLocks noChangeAspect="1"/>
-          </p:cNvPicPr>
-          <p:nvPr/>
-        </p:nvPicPr>
-        <p:blipFill>
-          <a:blip r:embed="rId2">
-            <a:extLst>
-              <a:ext uri="{28A0092B-C50C-407E-A947-70E740481C1C}">
-                <a14:useLocalDpi xmlns:a14="http://schemas.microsoft.com/office/drawing/2010/main" val="0"/>
-              </a:ext>
-            </a:extLst>
-          </a:blip>
-          <a:stretch>
-            <a:fillRect/>
-          </a:stretch>
-        </p:blipFill>
-        <p:spPr>
-          <a:xfrm>
-            <a:off x="3670516" y="4265255"/>
-            <a:ext cx="1193800" cy="1104900"/>
-          </a:xfrm>
-          <a:prstGeom prst="rect">
-            <a:avLst/>
-          </a:prstGeom>
-        </p:spPr>
-      </p:pic>
       <p:sp>
         <p:nvSpPr>
           <p:cNvPr id="4" name="Oval 3"/>
@@ -3374,7 +3344,7 @@
         </p:nvSpPr>
         <p:spPr>
           <a:xfrm>
-            <a:off x="7778931" y="2392380"/>
+            <a:off x="7778931" y="532584"/>
             <a:ext cx="2665709" cy="1813300"/>
           </a:xfrm>
           <a:prstGeom prst="wedgeEllipseCallout">
@@ -3423,7 +3393,7 @@
         </p:nvSpPr>
         <p:spPr>
           <a:xfrm>
-            <a:off x="8146736" y="2818107"/>
+            <a:off x="8146736" y="958311"/>
             <a:ext cx="480447" cy="539853"/>
           </a:xfrm>
           <a:prstGeom prst="snip1Rect">
@@ -3481,7 +3451,7 @@
         </p:nvSpPr>
         <p:spPr>
           <a:xfrm>
-            <a:off x="9563671" y="2818107"/>
+            <a:off x="9563671" y="958311"/>
             <a:ext cx="480447" cy="539853"/>
           </a:xfrm>
           <a:prstGeom prst="snip1Rect">
@@ -3539,7 +3509,7 @@
         </p:nvSpPr>
         <p:spPr>
           <a:xfrm>
-            <a:off x="8911525" y="3495006"/>
+            <a:off x="8911525" y="1635210"/>
             <a:ext cx="480447" cy="539853"/>
           </a:xfrm>
           <a:prstGeom prst="snip1Rect">
@@ -3599,7 +3569,7 @@
         </p:nvCxnSpPr>
         <p:spPr>
           <a:xfrm rot="16200000" flipH="1">
-            <a:off x="8445756" y="3299163"/>
+            <a:off x="8445756" y="1439367"/>
             <a:ext cx="406973" cy="524565"/>
           </a:xfrm>
           <a:prstGeom prst="curvedConnector2">
@@ -3639,7 +3609,7 @@
         </p:nvCxnSpPr>
         <p:spPr>
           <a:xfrm flipV="1">
-            <a:off x="9391972" y="3357960"/>
+            <a:off x="9391972" y="1498164"/>
             <a:ext cx="411923" cy="406973"/>
           </a:xfrm>
           <a:prstGeom prst="curvedConnector2">
@@ -3679,7 +3649,7 @@
         </p:nvCxnSpPr>
         <p:spPr>
           <a:xfrm rot="16200000" flipV="1">
-            <a:off x="9095428" y="2109639"/>
+            <a:off x="9095428" y="249843"/>
             <a:ext cx="12700" cy="1416935"/>
           </a:xfrm>
           <a:prstGeom prst="curvedConnector3">
@@ -3710,38 +3680,372 @@
           </a:fontRef>
         </p:style>
       </p:cxnSp>
+      <p:grpSp>
+        <p:nvGrpSpPr>
+          <p:cNvPr id="14" name="Group 13"/>
+          <p:cNvGrpSpPr/>
+          <p:nvPr/>
+        </p:nvGrpSpPr>
+        <p:grpSpPr>
+          <a:xfrm>
+            <a:off x="3451220" y="3589730"/>
+            <a:ext cx="1612621" cy="1780425"/>
+            <a:chOff x="3451220" y="3589730"/>
+            <a:chExt cx="1612621" cy="1780425"/>
+          </a:xfrm>
+        </p:grpSpPr>
+        <p:pic>
+          <p:nvPicPr>
+            <p:cNvPr id="3" name="Picture 2"/>
+            <p:cNvPicPr>
+              <a:picLocks noChangeAspect="1"/>
+            </p:cNvPicPr>
+            <p:nvPr/>
+          </p:nvPicPr>
+          <p:blipFill>
+            <a:blip r:embed="rId2">
+              <a:extLst>
+                <a:ext uri="{28A0092B-C50C-407E-A947-70E740481C1C}">
+                  <a14:useLocalDpi xmlns:a14="http://schemas.microsoft.com/office/drawing/2010/main" val="0"/>
+                </a:ext>
+              </a:extLst>
+            </a:blip>
+            <a:stretch>
+              <a:fillRect/>
+            </a:stretch>
+          </p:blipFill>
+          <p:spPr>
+            <a:xfrm>
+              <a:off x="3670516" y="4265255"/>
+              <a:ext cx="1193800" cy="1104900"/>
+            </a:xfrm>
+            <a:prstGeom prst="rect">
+              <a:avLst/>
+            </a:prstGeom>
+          </p:spPr>
+        </p:pic>
+        <p:pic>
+          <p:nvPicPr>
+            <p:cNvPr id="2" name="Picture 1"/>
+            <p:cNvPicPr>
+              <a:picLocks noChangeAspect="1"/>
+            </p:cNvPicPr>
+            <p:nvPr/>
+          </p:nvPicPr>
+          <p:blipFill rotWithShape="1">
+            <a:blip r:embed="rId3">
+              <a:extLst>
+                <a:ext uri="{28A0092B-C50C-407E-A947-70E740481C1C}">
+                  <a14:useLocalDpi xmlns:a14="http://schemas.microsoft.com/office/drawing/2010/main" val="0"/>
+                </a:ext>
+              </a:extLst>
+            </a:blip>
+            <a:srcRect r="7315" b="24607"/>
+            <a:stretch/>
+          </p:blipFill>
+          <p:spPr>
+            <a:xfrm>
+              <a:off x="3451220" y="3589730"/>
+              <a:ext cx="1612621" cy="928769"/>
+            </a:xfrm>
+            <a:prstGeom prst="rect">
+              <a:avLst/>
+            </a:prstGeom>
+          </p:spPr>
+        </p:pic>
+      </p:grpSp>
+      <p:grpSp>
+        <p:nvGrpSpPr>
+          <p:cNvPr id="12" name="Group 11"/>
+          <p:cNvGrpSpPr/>
+          <p:nvPr/>
+        </p:nvGrpSpPr>
+        <p:grpSpPr>
+          <a:xfrm>
+            <a:off x="1287365" y="3589730"/>
+            <a:ext cx="1612621" cy="1780425"/>
+            <a:chOff x="1287365" y="3589730"/>
+            <a:chExt cx="1612621" cy="1780425"/>
+          </a:xfrm>
+        </p:grpSpPr>
+        <p:pic>
+          <p:nvPicPr>
+            <p:cNvPr id="18" name="Picture 17"/>
+            <p:cNvPicPr>
+              <a:picLocks noChangeAspect="1"/>
+            </p:cNvPicPr>
+            <p:nvPr/>
+          </p:nvPicPr>
+          <p:blipFill>
+            <a:blip r:embed="rId2">
+              <a:extLst>
+                <a:ext uri="{28A0092B-C50C-407E-A947-70E740481C1C}">
+                  <a14:useLocalDpi xmlns:a14="http://schemas.microsoft.com/office/drawing/2010/main" val="0"/>
+                </a:ext>
+              </a:extLst>
+            </a:blip>
+            <a:stretch>
+              <a:fillRect/>
+            </a:stretch>
+          </p:blipFill>
+          <p:spPr>
+            <a:xfrm>
+              <a:off x="1506661" y="4265255"/>
+              <a:ext cx="1193800" cy="1104900"/>
+            </a:xfrm>
+            <a:prstGeom prst="rect">
+              <a:avLst/>
+            </a:prstGeom>
+          </p:spPr>
+        </p:pic>
+        <p:pic>
+          <p:nvPicPr>
+            <p:cNvPr id="21" name="Picture 20"/>
+            <p:cNvPicPr>
+              <a:picLocks noChangeAspect="1"/>
+            </p:cNvPicPr>
+            <p:nvPr/>
+          </p:nvPicPr>
+          <p:blipFill rotWithShape="1">
+            <a:blip r:embed="rId3">
+              <a:extLst>
+                <a:ext uri="{28A0092B-C50C-407E-A947-70E740481C1C}">
+                  <a14:useLocalDpi xmlns:a14="http://schemas.microsoft.com/office/drawing/2010/main" val="0"/>
+                </a:ext>
+              </a:extLst>
+            </a:blip>
+            <a:srcRect r="7315" b="24607"/>
+            <a:stretch/>
+          </p:blipFill>
+          <p:spPr>
+            <a:xfrm>
+              <a:off x="1287365" y="3589730"/>
+              <a:ext cx="1612621" cy="928769"/>
+            </a:xfrm>
+            <a:prstGeom prst="rect">
+              <a:avLst/>
+            </a:prstGeom>
+          </p:spPr>
+        </p:pic>
+        <p:sp>
+          <p:nvSpPr>
+            <p:cNvPr id="7" name="Triangle 6"/>
+            <p:cNvSpPr/>
+            <p:nvPr/>
+          </p:nvSpPr>
+          <p:spPr>
+            <a:xfrm rot="10800000">
+              <a:off x="1974938" y="4861299"/>
+              <a:ext cx="142754" cy="196789"/>
+            </a:xfrm>
+            <a:prstGeom prst="triangle">
+              <a:avLst/>
+            </a:prstGeom>
+            <a:solidFill>
+              <a:schemeClr val="bg1"/>
+            </a:solidFill>
+            <a:ln>
+              <a:solidFill>
+                <a:schemeClr val="tx1"/>
+              </a:solidFill>
+            </a:ln>
+          </p:spPr>
+          <p:style>
+            <a:lnRef idx="2">
+              <a:schemeClr val="accent1">
+                <a:shade val="50000"/>
+              </a:schemeClr>
+            </a:lnRef>
+            <a:fillRef idx="1">
+              <a:schemeClr val="accent1"/>
+            </a:fillRef>
+            <a:effectRef idx="0">
+              <a:schemeClr val="accent1"/>
+            </a:effectRef>
+            <a:fontRef idx="minor">
+              <a:schemeClr val="lt1"/>
+            </a:fontRef>
+          </p:style>
+          <p:txBody>
+            <a:bodyPr rtlCol="0" anchor="ctr"/>
+            <a:lstStyle/>
+            <a:p>
+              <a:pPr algn="ctr"/>
+              <a:endParaRPr lang="en-US"/>
+            </a:p>
+          </p:txBody>
+        </p:sp>
+        <p:sp>
+          <p:nvSpPr>
+            <p:cNvPr id="24" name="Triangle 23"/>
+            <p:cNvSpPr/>
+            <p:nvPr/>
+          </p:nvSpPr>
+          <p:spPr>
+            <a:xfrm>
+              <a:off x="1956857" y="5042588"/>
+              <a:ext cx="182919" cy="168385"/>
+            </a:xfrm>
+            <a:prstGeom prst="triangle">
+              <a:avLst/>
+            </a:prstGeom>
+            <a:solidFill>
+              <a:schemeClr val="bg1"/>
+            </a:solidFill>
+            <a:ln>
+              <a:solidFill>
+                <a:schemeClr val="tx1"/>
+              </a:solidFill>
+            </a:ln>
+          </p:spPr>
+          <p:style>
+            <a:lnRef idx="2">
+              <a:schemeClr val="accent1">
+                <a:shade val="50000"/>
+              </a:schemeClr>
+            </a:lnRef>
+            <a:fillRef idx="1">
+              <a:schemeClr val="accent1"/>
+            </a:fillRef>
+            <a:effectRef idx="0">
+              <a:schemeClr val="accent1"/>
+            </a:effectRef>
+            <a:fontRef idx="minor">
+              <a:schemeClr val="lt1"/>
+            </a:fontRef>
+          </p:style>
+          <p:txBody>
+            <a:bodyPr rtlCol="0" anchor="ctr"/>
+            <a:lstStyle/>
+            <a:p>
+              <a:pPr algn="ctr"/>
+              <a:endParaRPr lang="en-US"/>
+            </a:p>
+          </p:txBody>
+        </p:sp>
+      </p:grpSp>
+      <p:grpSp>
+        <p:nvGrpSpPr>
+          <p:cNvPr id="15" name="Group 14"/>
+          <p:cNvGrpSpPr/>
+          <p:nvPr/>
+        </p:nvGrpSpPr>
+        <p:grpSpPr>
+          <a:xfrm>
+            <a:off x="5325683" y="4122337"/>
+            <a:ext cx="1390296" cy="1247818"/>
+            <a:chOff x="5325683" y="4122337"/>
+            <a:chExt cx="1390296" cy="1247818"/>
+          </a:xfrm>
+        </p:grpSpPr>
+        <p:pic>
+          <p:nvPicPr>
+            <p:cNvPr id="27" name="Picture 26"/>
+            <p:cNvPicPr>
+              <a:picLocks noChangeAspect="1"/>
+            </p:cNvPicPr>
+            <p:nvPr/>
+          </p:nvPicPr>
+          <p:blipFill>
+            <a:blip r:embed="rId2">
+              <a:extLst>
+                <a:ext uri="{28A0092B-C50C-407E-A947-70E740481C1C}">
+                  <a14:useLocalDpi xmlns:a14="http://schemas.microsoft.com/office/drawing/2010/main" val="0"/>
+                </a:ext>
+              </a:extLst>
+            </a:blip>
+            <a:stretch>
+              <a:fillRect/>
+            </a:stretch>
+          </p:blipFill>
+          <p:spPr>
+            <a:xfrm>
+              <a:off x="5436996" y="4265255"/>
+              <a:ext cx="1193800" cy="1104900"/>
+            </a:xfrm>
+            <a:prstGeom prst="rect">
+              <a:avLst/>
+            </a:prstGeom>
+          </p:spPr>
+        </p:pic>
+        <p:pic>
+          <p:nvPicPr>
+            <p:cNvPr id="28" name="Picture 27"/>
+            <p:cNvPicPr>
+              <a:picLocks noChangeAspect="1"/>
+            </p:cNvPicPr>
+            <p:nvPr/>
+          </p:nvPicPr>
+          <p:blipFill rotWithShape="1">
+            <a:blip r:embed="rId3">
+              <a:extLst>
+                <a:ext uri="{28A0092B-C50C-407E-A947-70E740481C1C}">
+                  <a14:useLocalDpi xmlns:a14="http://schemas.microsoft.com/office/drawing/2010/main" val="0"/>
+                </a:ext>
+              </a:extLst>
+            </a:blip>
+            <a:srcRect l="68187" t="44833" r="10491" b="21619"/>
+            <a:stretch/>
+          </p:blipFill>
+          <p:spPr>
+            <a:xfrm>
+              <a:off x="6332633" y="4377298"/>
+              <a:ext cx="383346" cy="413281"/>
+            </a:xfrm>
+            <a:prstGeom prst="rect">
+              <a:avLst/>
+            </a:prstGeom>
+          </p:spPr>
+        </p:pic>
+        <p:sp>
+          <p:nvSpPr>
+            <p:cNvPr id="10" name="Diamond 9"/>
+            <p:cNvSpPr/>
+            <p:nvPr/>
+          </p:nvSpPr>
+          <p:spPr>
+            <a:xfrm>
+              <a:off x="5325683" y="4122337"/>
+              <a:ext cx="1255794" cy="397783"/>
+            </a:xfrm>
+            <a:prstGeom prst="diamond">
+              <a:avLst/>
+            </a:prstGeom>
+            <a:ln>
+              <a:solidFill>
+                <a:schemeClr val="tx1"/>
+              </a:solidFill>
+            </a:ln>
+          </p:spPr>
+          <p:style>
+            <a:lnRef idx="2">
+              <a:schemeClr val="dk1">
+                <a:shade val="50000"/>
+              </a:schemeClr>
+            </a:lnRef>
+            <a:fillRef idx="1">
+              <a:schemeClr val="dk1"/>
+            </a:fillRef>
+            <a:effectRef idx="0">
+              <a:schemeClr val="dk1"/>
+            </a:effectRef>
+            <a:fontRef idx="minor">
+              <a:schemeClr val="lt1"/>
+            </a:fontRef>
+          </p:style>
+          <p:txBody>
+            <a:bodyPr rtlCol="0" anchor="ctr"/>
+            <a:lstStyle/>
+            <a:p>
+              <a:pPr algn="ctr"/>
+              <a:endParaRPr lang="en-US"/>
+            </a:p>
+          </p:txBody>
+        </p:sp>
+      </p:grpSp>
       <p:pic>
         <p:nvPicPr>
-          <p:cNvPr id="2" name="Picture 1"/>
-          <p:cNvPicPr>
-            <a:picLocks noChangeAspect="1"/>
-          </p:cNvPicPr>
-          <p:nvPr/>
-        </p:nvPicPr>
-        <p:blipFill rotWithShape="1">
-          <a:blip r:embed="rId3">
-            <a:extLst>
-              <a:ext uri="{28A0092B-C50C-407E-A947-70E740481C1C}">
-                <a14:useLocalDpi xmlns:a14="http://schemas.microsoft.com/office/drawing/2010/main" val="0"/>
-              </a:ext>
-            </a:extLst>
-          </a:blip>
-          <a:srcRect r="7315" b="24607"/>
-          <a:stretch/>
-        </p:blipFill>
-        <p:spPr>
-          <a:xfrm>
-            <a:off x="3451220" y="3589730"/>
-            <a:ext cx="1612621" cy="928769"/>
-          </a:xfrm>
-          <a:prstGeom prst="rect">
-            <a:avLst/>
-          </a:prstGeom>
-        </p:spPr>
-      </p:pic>
-      <p:pic>
-        <p:nvPicPr>
-          <p:cNvPr id="18" name="Picture 17"/>
+          <p:cNvPr id="29" name="Picture 28"/>
           <p:cNvPicPr>
             <a:picLocks noChangeAspect="1"/>
           </p:cNvPicPr>
@@ -3761,7 +4065,7 @@
         </p:blipFill>
         <p:spPr>
           <a:xfrm>
-            <a:off x="1506661" y="4265255"/>
+            <a:off x="7204628" y="4265255"/>
             <a:ext cx="1193800" cy="1104900"/>
           </a:xfrm>
           <a:prstGeom prst="rect">
@@ -3769,179 +4073,6 @@
           </a:prstGeom>
         </p:spPr>
       </p:pic>
-      <p:pic>
-        <p:nvPicPr>
-          <p:cNvPr id="21" name="Picture 20"/>
-          <p:cNvPicPr>
-            <a:picLocks noChangeAspect="1"/>
-          </p:cNvPicPr>
-          <p:nvPr/>
-        </p:nvPicPr>
-        <p:blipFill rotWithShape="1">
-          <a:blip r:embed="rId3">
-            <a:extLst>
-              <a:ext uri="{28A0092B-C50C-407E-A947-70E740481C1C}">
-                <a14:useLocalDpi xmlns:a14="http://schemas.microsoft.com/office/drawing/2010/main" val="0"/>
-              </a:ext>
-            </a:extLst>
-          </a:blip>
-          <a:srcRect r="7315" b="24607"/>
-          <a:stretch/>
-        </p:blipFill>
-        <p:spPr>
-          <a:xfrm>
-            <a:off x="1287365" y="3589730"/>
-            <a:ext cx="1612621" cy="928769"/>
-          </a:xfrm>
-          <a:prstGeom prst="rect">
-            <a:avLst/>
-          </a:prstGeom>
-        </p:spPr>
-      </p:pic>
-      <p:sp>
-        <p:nvSpPr>
-          <p:cNvPr id="7" name="Triangle 6"/>
-          <p:cNvSpPr/>
-          <p:nvPr/>
-        </p:nvSpPr>
-        <p:spPr>
-          <a:xfrm rot="10800000">
-            <a:off x="952047" y="2211088"/>
-            <a:ext cx="142754" cy="196789"/>
-          </a:xfrm>
-          <a:prstGeom prst="triangle">
-            <a:avLst/>
-          </a:prstGeom>
-          <a:solidFill>
-            <a:schemeClr val="bg1"/>
-          </a:solidFill>
-          <a:ln>
-            <a:solidFill>
-              <a:schemeClr val="tx1"/>
-            </a:solidFill>
-          </a:ln>
-        </p:spPr>
-        <p:style>
-          <a:lnRef idx="2">
-            <a:schemeClr val="accent1">
-              <a:shade val="50000"/>
-            </a:schemeClr>
-          </a:lnRef>
-          <a:fillRef idx="1">
-            <a:schemeClr val="accent1"/>
-          </a:fillRef>
-          <a:effectRef idx="0">
-            <a:schemeClr val="accent1"/>
-          </a:effectRef>
-          <a:fontRef idx="minor">
-            <a:schemeClr val="lt1"/>
-          </a:fontRef>
-        </p:style>
-        <p:txBody>
-          <a:bodyPr rtlCol="0" anchor="ctr"/>
-          <a:lstStyle/>
-          <a:p>
-            <a:pPr algn="ctr"/>
-            <a:endParaRPr lang="en-US"/>
-          </a:p>
-        </p:txBody>
-      </p:sp>
-      <p:sp>
-        <p:nvSpPr>
-          <p:cNvPr id="24" name="Triangle 23"/>
-          <p:cNvSpPr/>
-          <p:nvPr/>
-        </p:nvSpPr>
-        <p:spPr>
-          <a:xfrm>
-            <a:off x="933966" y="2407875"/>
-            <a:ext cx="182919" cy="168385"/>
-          </a:xfrm>
-          <a:prstGeom prst="triangle">
-            <a:avLst/>
-          </a:prstGeom>
-          <a:solidFill>
-            <a:schemeClr val="bg1"/>
-          </a:solidFill>
-          <a:ln>
-            <a:solidFill>
-              <a:schemeClr val="tx1"/>
-            </a:solidFill>
-          </a:ln>
-        </p:spPr>
-        <p:style>
-          <a:lnRef idx="2">
-            <a:schemeClr val="accent1">
-              <a:shade val="50000"/>
-            </a:schemeClr>
-          </a:lnRef>
-          <a:fillRef idx="1">
-            <a:schemeClr val="accent1"/>
-          </a:fillRef>
-          <a:effectRef idx="0">
-            <a:schemeClr val="accent1"/>
-          </a:effectRef>
-          <a:fontRef idx="minor">
-            <a:schemeClr val="lt1"/>
-          </a:fontRef>
-        </p:style>
-        <p:txBody>
-          <a:bodyPr rtlCol="0" anchor="ctr"/>
-          <a:lstStyle/>
-          <a:p>
-            <a:pPr algn="ctr"/>
-            <a:endParaRPr lang="en-US"/>
-          </a:p>
-        </p:txBody>
-      </p:sp>
-      <p:sp>
-        <p:nvSpPr>
-          <p:cNvPr id="26" name="Triangle 25"/>
-          <p:cNvSpPr/>
-          <p:nvPr/>
-        </p:nvSpPr>
-        <p:spPr>
-          <a:xfrm rot="10800000">
-            <a:off x="1104447" y="2363488"/>
-            <a:ext cx="142754" cy="196789"/>
-          </a:xfrm>
-          <a:prstGeom prst="triangle">
-            <a:avLst/>
-          </a:prstGeom>
-          <a:solidFill>
-            <a:schemeClr val="bg1"/>
-          </a:solidFill>
-          <a:ln>
-            <a:solidFill>
-              <a:schemeClr val="tx1"/>
-            </a:solidFill>
-          </a:ln>
-        </p:spPr>
-        <p:style>
-          <a:lnRef idx="2">
-            <a:schemeClr val="accent1">
-              <a:shade val="50000"/>
-            </a:schemeClr>
-          </a:lnRef>
-          <a:fillRef idx="1">
-            <a:schemeClr val="accent1"/>
-          </a:fillRef>
-          <a:effectRef idx="0">
-            <a:schemeClr val="accent1"/>
-          </a:effectRef>
-          <a:fontRef idx="minor">
-            <a:schemeClr val="lt1"/>
-          </a:fontRef>
-        </p:style>
-        <p:txBody>
-          <a:bodyPr rtlCol="0" anchor="ctr"/>
-          <a:lstStyle/>
-          <a:p>
-            <a:pPr algn="ctr"/>
-            <a:endParaRPr lang="en-US"/>
-          </a:p>
-        </p:txBody>
-      </p:sp>
     </p:spTree>
     <p:extLst>
       <p:ext uri="{BB962C8B-B14F-4D97-AF65-F5344CB8AC3E}">
